--- a/ppt 16-9/0565.今来就主.pptx
+++ b/ppt 16-9/0565.今来就主.pptx
@@ -129,7 +129,7 @@
           <p:cNvPr id="2" name="标题 1">
             <a:extLst>
               <a:ext uri="{FF2B5EF4-FFF2-40B4-BE49-F238E27FC236}">
-                <a16:creationId xmlns:a16="http://schemas.microsoft.com/office/drawing/2014/main" id="{7155AB7D-9655-48AF-9467-D87CC89B00D2}"/>
+                <a16:creationId xmlns:a16="http://schemas.microsoft.com/office/drawing/2014/main" id="{985C7D6D-DF62-E079-EF4F-6134533CC8E0}"/>
               </a:ext>
             </a:extLst>
           </p:cNvPr>
@@ -166,7 +166,7 @@
           <p:cNvPr id="3" name="副标题 2">
             <a:extLst>
               <a:ext uri="{FF2B5EF4-FFF2-40B4-BE49-F238E27FC236}">
-                <a16:creationId xmlns:a16="http://schemas.microsoft.com/office/drawing/2014/main" id="{CD053582-9661-8D79-D645-D06E91D92B55}"/>
+                <a16:creationId xmlns:a16="http://schemas.microsoft.com/office/drawing/2014/main" id="{548CD2A7-C4C9-039F-CEB3-0296AC31DE40}"/>
               </a:ext>
             </a:extLst>
           </p:cNvPr>
@@ -236,7 +236,7 @@
           <p:cNvPr id="4" name="日期占位符 3">
             <a:extLst>
               <a:ext uri="{FF2B5EF4-FFF2-40B4-BE49-F238E27FC236}">
-                <a16:creationId xmlns:a16="http://schemas.microsoft.com/office/drawing/2014/main" id="{63764055-E3AA-A4B3-CEA0-A2B8AFCD0C54}"/>
+                <a16:creationId xmlns:a16="http://schemas.microsoft.com/office/drawing/2014/main" id="{947C964E-D9C4-A78F-C0EF-FECC4D94D911}"/>
               </a:ext>
             </a:extLst>
           </p:cNvPr>
@@ -252,7 +252,7 @@
           <a:bodyPr/>
           <a:lstStyle/>
           <a:p>
-            <a:fld id="{C3661E08-10BE-4B47-926C-5DBD4D13FC14}" type="datetimeFigureOut">
+            <a:fld id="{693C2C56-FAFC-456F-8E99-4A0BCD22ACDF}" type="datetimeFigureOut">
               <a:rPr lang="zh-CN" altLang="en-US" smtClean="0"/>
               <a:t>2024/3/10</a:t>
             </a:fld>
@@ -265,7 +265,7 @@
           <p:cNvPr id="5" name="页脚占位符 4">
             <a:extLst>
               <a:ext uri="{FF2B5EF4-FFF2-40B4-BE49-F238E27FC236}">
-                <a16:creationId xmlns:a16="http://schemas.microsoft.com/office/drawing/2014/main" id="{D19AF0F9-7E9E-57B3-59A1-D6F46C4B39D5}"/>
+                <a16:creationId xmlns:a16="http://schemas.microsoft.com/office/drawing/2014/main" id="{22DD715C-F407-2DBB-3E67-7B9D78D1A1E2}"/>
               </a:ext>
             </a:extLst>
           </p:cNvPr>
@@ -290,7 +290,7 @@
           <p:cNvPr id="6" name="灯片编号占位符 5">
             <a:extLst>
               <a:ext uri="{FF2B5EF4-FFF2-40B4-BE49-F238E27FC236}">
-                <a16:creationId xmlns:a16="http://schemas.microsoft.com/office/drawing/2014/main" id="{77606C19-9C87-B297-2375-6E24599519F4}"/>
+                <a16:creationId xmlns:a16="http://schemas.microsoft.com/office/drawing/2014/main" id="{62F27E5D-9269-4D69-2BBD-4A2BC5FBA50B}"/>
               </a:ext>
             </a:extLst>
           </p:cNvPr>
@@ -306,7 +306,7 @@
           <a:bodyPr/>
           <a:lstStyle/>
           <a:p>
-            <a:fld id="{1158E345-71D8-4F90-9A0E-07BA65ACEA00}" type="slidenum">
+            <a:fld id="{0D83A67D-F37E-4C81-9AF1-3A563B72C2F3}" type="slidenum">
               <a:rPr lang="zh-CN" altLang="en-US" smtClean="0"/>
               <a:t>‹#›</a:t>
             </a:fld>
@@ -317,7 +317,7 @@
     </p:spTree>
     <p:extLst>
       <p:ext uri="{BB962C8B-B14F-4D97-AF65-F5344CB8AC3E}">
-        <p14:creationId xmlns:p14="http://schemas.microsoft.com/office/powerpoint/2010/main" val="106118257"/>
+        <p14:creationId xmlns:p14="http://schemas.microsoft.com/office/powerpoint/2010/main" val="3369297304"/>
       </p:ext>
     </p:extLst>
   </p:cSld>
@@ -349,7 +349,7 @@
           <p:cNvPr id="2" name="标题 1">
             <a:extLst>
               <a:ext uri="{FF2B5EF4-FFF2-40B4-BE49-F238E27FC236}">
-                <a16:creationId xmlns:a16="http://schemas.microsoft.com/office/drawing/2014/main" id="{196521C2-4ABF-FDFB-3FB6-E8903B66A9E6}"/>
+                <a16:creationId xmlns:a16="http://schemas.microsoft.com/office/drawing/2014/main" id="{0BEC9F82-875A-E1C7-BCDB-941E1A4283C6}"/>
               </a:ext>
             </a:extLst>
           </p:cNvPr>
@@ -377,7 +377,7 @@
           <p:cNvPr id="3" name="竖排文字占位符 2">
             <a:extLst>
               <a:ext uri="{FF2B5EF4-FFF2-40B4-BE49-F238E27FC236}">
-                <a16:creationId xmlns:a16="http://schemas.microsoft.com/office/drawing/2014/main" id="{AD189FAA-5A3E-CD73-0AA7-1678902C22C2}"/>
+                <a16:creationId xmlns:a16="http://schemas.microsoft.com/office/drawing/2014/main" id="{B2C59A6A-1CFB-98BE-BEFE-2BF1085C663A}"/>
               </a:ext>
             </a:extLst>
           </p:cNvPr>
@@ -434,7 +434,7 @@
           <p:cNvPr id="4" name="日期占位符 3">
             <a:extLst>
               <a:ext uri="{FF2B5EF4-FFF2-40B4-BE49-F238E27FC236}">
-                <a16:creationId xmlns:a16="http://schemas.microsoft.com/office/drawing/2014/main" id="{299C4A3E-85B5-4FBC-9DB2-E9588A768B6C}"/>
+                <a16:creationId xmlns:a16="http://schemas.microsoft.com/office/drawing/2014/main" id="{77977071-A66E-89AE-08F2-650176237C0F}"/>
               </a:ext>
             </a:extLst>
           </p:cNvPr>
@@ -450,7 +450,7 @@
           <a:bodyPr/>
           <a:lstStyle/>
           <a:p>
-            <a:fld id="{C3661E08-10BE-4B47-926C-5DBD4D13FC14}" type="datetimeFigureOut">
+            <a:fld id="{693C2C56-FAFC-456F-8E99-4A0BCD22ACDF}" type="datetimeFigureOut">
               <a:rPr lang="zh-CN" altLang="en-US" smtClean="0"/>
               <a:t>2024/3/10</a:t>
             </a:fld>
@@ -463,7 +463,7 @@
           <p:cNvPr id="5" name="页脚占位符 4">
             <a:extLst>
               <a:ext uri="{FF2B5EF4-FFF2-40B4-BE49-F238E27FC236}">
-                <a16:creationId xmlns:a16="http://schemas.microsoft.com/office/drawing/2014/main" id="{810E689C-A5E0-2D26-713B-7037FEDB1FB3}"/>
+                <a16:creationId xmlns:a16="http://schemas.microsoft.com/office/drawing/2014/main" id="{889519C8-DE60-AC6B-6756-F42DF8356A64}"/>
               </a:ext>
             </a:extLst>
           </p:cNvPr>
@@ -488,7 +488,7 @@
           <p:cNvPr id="6" name="灯片编号占位符 5">
             <a:extLst>
               <a:ext uri="{FF2B5EF4-FFF2-40B4-BE49-F238E27FC236}">
-                <a16:creationId xmlns:a16="http://schemas.microsoft.com/office/drawing/2014/main" id="{99C6928C-EB6D-6841-685B-AFA26D4EF68A}"/>
+                <a16:creationId xmlns:a16="http://schemas.microsoft.com/office/drawing/2014/main" id="{0FACC87A-7EB8-6585-781E-AF943CB939A6}"/>
               </a:ext>
             </a:extLst>
           </p:cNvPr>
@@ -504,7 +504,7 @@
           <a:bodyPr/>
           <a:lstStyle/>
           <a:p>
-            <a:fld id="{1158E345-71D8-4F90-9A0E-07BA65ACEA00}" type="slidenum">
+            <a:fld id="{0D83A67D-F37E-4C81-9AF1-3A563B72C2F3}" type="slidenum">
               <a:rPr lang="zh-CN" altLang="en-US" smtClean="0"/>
               <a:t>‹#›</a:t>
             </a:fld>
@@ -515,7 +515,7 @@
     </p:spTree>
     <p:extLst>
       <p:ext uri="{BB962C8B-B14F-4D97-AF65-F5344CB8AC3E}">
-        <p14:creationId xmlns:p14="http://schemas.microsoft.com/office/powerpoint/2010/main" val="1303078980"/>
+        <p14:creationId xmlns:p14="http://schemas.microsoft.com/office/powerpoint/2010/main" val="2049226223"/>
       </p:ext>
     </p:extLst>
   </p:cSld>
@@ -547,7 +547,7 @@
           <p:cNvPr id="2" name="竖排标题 1">
             <a:extLst>
               <a:ext uri="{FF2B5EF4-FFF2-40B4-BE49-F238E27FC236}">
-                <a16:creationId xmlns:a16="http://schemas.microsoft.com/office/drawing/2014/main" id="{13CBC328-3C5E-1D13-AC3C-04581D5EFEB2}"/>
+                <a16:creationId xmlns:a16="http://schemas.microsoft.com/office/drawing/2014/main" id="{E38DD2FB-9F15-0468-7776-2BEEBDD84ACF}"/>
               </a:ext>
             </a:extLst>
           </p:cNvPr>
@@ -580,7 +580,7 @@
           <p:cNvPr id="3" name="竖排文字占位符 2">
             <a:extLst>
               <a:ext uri="{FF2B5EF4-FFF2-40B4-BE49-F238E27FC236}">
-                <a16:creationId xmlns:a16="http://schemas.microsoft.com/office/drawing/2014/main" id="{D78798CA-06FF-F63E-1C0F-82B0CAA99DF6}"/>
+                <a16:creationId xmlns:a16="http://schemas.microsoft.com/office/drawing/2014/main" id="{73BD57CD-C355-4EDF-73E5-D29563580BEE}"/>
               </a:ext>
             </a:extLst>
           </p:cNvPr>
@@ -642,7 +642,7 @@
           <p:cNvPr id="4" name="日期占位符 3">
             <a:extLst>
               <a:ext uri="{FF2B5EF4-FFF2-40B4-BE49-F238E27FC236}">
-                <a16:creationId xmlns:a16="http://schemas.microsoft.com/office/drawing/2014/main" id="{46CCF6AD-D2BC-5167-C103-719D13FC6407}"/>
+                <a16:creationId xmlns:a16="http://schemas.microsoft.com/office/drawing/2014/main" id="{FAF0AB7C-FD9B-7077-6FE9-C226310D0AF2}"/>
               </a:ext>
             </a:extLst>
           </p:cNvPr>
@@ -658,7 +658,7 @@
           <a:bodyPr/>
           <a:lstStyle/>
           <a:p>
-            <a:fld id="{C3661E08-10BE-4B47-926C-5DBD4D13FC14}" type="datetimeFigureOut">
+            <a:fld id="{693C2C56-FAFC-456F-8E99-4A0BCD22ACDF}" type="datetimeFigureOut">
               <a:rPr lang="zh-CN" altLang="en-US" smtClean="0"/>
               <a:t>2024/3/10</a:t>
             </a:fld>
@@ -671,7 +671,7 @@
           <p:cNvPr id="5" name="页脚占位符 4">
             <a:extLst>
               <a:ext uri="{FF2B5EF4-FFF2-40B4-BE49-F238E27FC236}">
-                <a16:creationId xmlns:a16="http://schemas.microsoft.com/office/drawing/2014/main" id="{9BAD261B-2C4A-0BEE-1813-F08E839774A8}"/>
+                <a16:creationId xmlns:a16="http://schemas.microsoft.com/office/drawing/2014/main" id="{DE8B1FB0-482D-93BD-FDB8-20F17170E864}"/>
               </a:ext>
             </a:extLst>
           </p:cNvPr>
@@ -696,7 +696,7 @@
           <p:cNvPr id="6" name="灯片编号占位符 5">
             <a:extLst>
               <a:ext uri="{FF2B5EF4-FFF2-40B4-BE49-F238E27FC236}">
-                <a16:creationId xmlns:a16="http://schemas.microsoft.com/office/drawing/2014/main" id="{5E8E92C6-83DE-D794-5DC5-A00E41F9E9ED}"/>
+                <a16:creationId xmlns:a16="http://schemas.microsoft.com/office/drawing/2014/main" id="{58B19EA7-3432-BABB-6570-C3886C0722A2}"/>
               </a:ext>
             </a:extLst>
           </p:cNvPr>
@@ -712,7 +712,7 @@
           <a:bodyPr/>
           <a:lstStyle/>
           <a:p>
-            <a:fld id="{1158E345-71D8-4F90-9A0E-07BA65ACEA00}" type="slidenum">
+            <a:fld id="{0D83A67D-F37E-4C81-9AF1-3A563B72C2F3}" type="slidenum">
               <a:rPr lang="zh-CN" altLang="en-US" smtClean="0"/>
               <a:t>‹#›</a:t>
             </a:fld>
@@ -723,7 +723,7 @@
     </p:spTree>
     <p:extLst>
       <p:ext uri="{BB962C8B-B14F-4D97-AF65-F5344CB8AC3E}">
-        <p14:creationId xmlns:p14="http://schemas.microsoft.com/office/powerpoint/2010/main" val="1981720478"/>
+        <p14:creationId xmlns:p14="http://schemas.microsoft.com/office/powerpoint/2010/main" val="2709930737"/>
       </p:ext>
     </p:extLst>
   </p:cSld>
@@ -755,7 +755,7 @@
           <p:cNvPr id="2" name="标题 1">
             <a:extLst>
               <a:ext uri="{FF2B5EF4-FFF2-40B4-BE49-F238E27FC236}">
-                <a16:creationId xmlns:a16="http://schemas.microsoft.com/office/drawing/2014/main" id="{D94A9696-D4FA-1BBC-F3EA-D2DC1336B252}"/>
+                <a16:creationId xmlns:a16="http://schemas.microsoft.com/office/drawing/2014/main" id="{D980ADC4-76E7-2F6E-4803-96D8F3DDA417}"/>
               </a:ext>
             </a:extLst>
           </p:cNvPr>
@@ -783,7 +783,7 @@
           <p:cNvPr id="3" name="内容占位符 2">
             <a:extLst>
               <a:ext uri="{FF2B5EF4-FFF2-40B4-BE49-F238E27FC236}">
-                <a16:creationId xmlns:a16="http://schemas.microsoft.com/office/drawing/2014/main" id="{9D0C5900-9B2A-CABC-CC4E-B5EF4133775B}"/>
+                <a16:creationId xmlns:a16="http://schemas.microsoft.com/office/drawing/2014/main" id="{6F349317-15CB-9ED8-5A79-5C06924A59DF}"/>
               </a:ext>
             </a:extLst>
           </p:cNvPr>
@@ -840,7 +840,7 @@
           <p:cNvPr id="4" name="日期占位符 3">
             <a:extLst>
               <a:ext uri="{FF2B5EF4-FFF2-40B4-BE49-F238E27FC236}">
-                <a16:creationId xmlns:a16="http://schemas.microsoft.com/office/drawing/2014/main" id="{6C979B99-11B2-9387-B61E-4336EC5AF132}"/>
+                <a16:creationId xmlns:a16="http://schemas.microsoft.com/office/drawing/2014/main" id="{B2E01DAF-1A15-C567-CA1E-CE30D79AE537}"/>
               </a:ext>
             </a:extLst>
           </p:cNvPr>
@@ -856,7 +856,7 @@
           <a:bodyPr/>
           <a:lstStyle/>
           <a:p>
-            <a:fld id="{C3661E08-10BE-4B47-926C-5DBD4D13FC14}" type="datetimeFigureOut">
+            <a:fld id="{693C2C56-FAFC-456F-8E99-4A0BCD22ACDF}" type="datetimeFigureOut">
               <a:rPr lang="zh-CN" altLang="en-US" smtClean="0"/>
               <a:t>2024/3/10</a:t>
             </a:fld>
@@ -869,7 +869,7 @@
           <p:cNvPr id="5" name="页脚占位符 4">
             <a:extLst>
               <a:ext uri="{FF2B5EF4-FFF2-40B4-BE49-F238E27FC236}">
-                <a16:creationId xmlns:a16="http://schemas.microsoft.com/office/drawing/2014/main" id="{14F62DDD-AFEA-2E97-2899-A52BE1D32F22}"/>
+                <a16:creationId xmlns:a16="http://schemas.microsoft.com/office/drawing/2014/main" id="{4CC0CF15-9F1F-E708-B1FE-E44DC70D87E7}"/>
               </a:ext>
             </a:extLst>
           </p:cNvPr>
@@ -894,7 +894,7 @@
           <p:cNvPr id="6" name="灯片编号占位符 5">
             <a:extLst>
               <a:ext uri="{FF2B5EF4-FFF2-40B4-BE49-F238E27FC236}">
-                <a16:creationId xmlns:a16="http://schemas.microsoft.com/office/drawing/2014/main" id="{05FD838F-7F83-D988-8AE9-A20B4A05059E}"/>
+                <a16:creationId xmlns:a16="http://schemas.microsoft.com/office/drawing/2014/main" id="{1AC8D616-A1C9-22EA-69D1-9E02947BBEEE}"/>
               </a:ext>
             </a:extLst>
           </p:cNvPr>
@@ -910,7 +910,7 @@
           <a:bodyPr/>
           <a:lstStyle/>
           <a:p>
-            <a:fld id="{1158E345-71D8-4F90-9A0E-07BA65ACEA00}" type="slidenum">
+            <a:fld id="{0D83A67D-F37E-4C81-9AF1-3A563B72C2F3}" type="slidenum">
               <a:rPr lang="zh-CN" altLang="en-US" smtClean="0"/>
               <a:t>‹#›</a:t>
             </a:fld>
@@ -921,7 +921,7 @@
     </p:spTree>
     <p:extLst>
       <p:ext uri="{BB962C8B-B14F-4D97-AF65-F5344CB8AC3E}">
-        <p14:creationId xmlns:p14="http://schemas.microsoft.com/office/powerpoint/2010/main" val="2506966480"/>
+        <p14:creationId xmlns:p14="http://schemas.microsoft.com/office/powerpoint/2010/main" val="2863901746"/>
       </p:ext>
     </p:extLst>
   </p:cSld>
@@ -953,7 +953,7 @@
           <p:cNvPr id="2" name="标题 1">
             <a:extLst>
               <a:ext uri="{FF2B5EF4-FFF2-40B4-BE49-F238E27FC236}">
-                <a16:creationId xmlns:a16="http://schemas.microsoft.com/office/drawing/2014/main" id="{46AC9194-7FC4-27D3-9F94-688B49D7E040}"/>
+                <a16:creationId xmlns:a16="http://schemas.microsoft.com/office/drawing/2014/main" id="{D9FADF42-B927-814F-6B92-D7941DB7D6A1}"/>
               </a:ext>
             </a:extLst>
           </p:cNvPr>
@@ -990,7 +990,7 @@
           <p:cNvPr id="3" name="文本占位符 2">
             <a:extLst>
               <a:ext uri="{FF2B5EF4-FFF2-40B4-BE49-F238E27FC236}">
-                <a16:creationId xmlns:a16="http://schemas.microsoft.com/office/drawing/2014/main" id="{A5C3299D-3AEB-7D5D-4569-85B69520A7F9}"/>
+                <a16:creationId xmlns:a16="http://schemas.microsoft.com/office/drawing/2014/main" id="{A36F5B7F-006D-AB1D-0655-388A00A4065F}"/>
               </a:ext>
             </a:extLst>
           </p:cNvPr>
@@ -1115,7 +1115,7 @@
           <p:cNvPr id="4" name="日期占位符 3">
             <a:extLst>
               <a:ext uri="{FF2B5EF4-FFF2-40B4-BE49-F238E27FC236}">
-                <a16:creationId xmlns:a16="http://schemas.microsoft.com/office/drawing/2014/main" id="{79F95FC6-E956-CF51-16E4-6E1B0826B803}"/>
+                <a16:creationId xmlns:a16="http://schemas.microsoft.com/office/drawing/2014/main" id="{BEECC88E-C878-792E-EEB1-5AF150B03D7C}"/>
               </a:ext>
             </a:extLst>
           </p:cNvPr>
@@ -1131,7 +1131,7 @@
           <a:bodyPr/>
           <a:lstStyle/>
           <a:p>
-            <a:fld id="{C3661E08-10BE-4B47-926C-5DBD4D13FC14}" type="datetimeFigureOut">
+            <a:fld id="{693C2C56-FAFC-456F-8E99-4A0BCD22ACDF}" type="datetimeFigureOut">
               <a:rPr lang="zh-CN" altLang="en-US" smtClean="0"/>
               <a:t>2024/3/10</a:t>
             </a:fld>
@@ -1144,7 +1144,7 @@
           <p:cNvPr id="5" name="页脚占位符 4">
             <a:extLst>
               <a:ext uri="{FF2B5EF4-FFF2-40B4-BE49-F238E27FC236}">
-                <a16:creationId xmlns:a16="http://schemas.microsoft.com/office/drawing/2014/main" id="{BC2C7D63-A694-A4EC-1E80-011AE65B65CF}"/>
+                <a16:creationId xmlns:a16="http://schemas.microsoft.com/office/drawing/2014/main" id="{F041601F-CA3E-751F-6FD0-79A68B24B39D}"/>
               </a:ext>
             </a:extLst>
           </p:cNvPr>
@@ -1169,7 +1169,7 @@
           <p:cNvPr id="6" name="灯片编号占位符 5">
             <a:extLst>
               <a:ext uri="{FF2B5EF4-FFF2-40B4-BE49-F238E27FC236}">
-                <a16:creationId xmlns:a16="http://schemas.microsoft.com/office/drawing/2014/main" id="{980F974D-AFBA-6E15-CD39-57D57CA0429A}"/>
+                <a16:creationId xmlns:a16="http://schemas.microsoft.com/office/drawing/2014/main" id="{2EAABF2D-C6BD-3EA7-9838-2D87457D8BB5}"/>
               </a:ext>
             </a:extLst>
           </p:cNvPr>
@@ -1185,7 +1185,7 @@
           <a:bodyPr/>
           <a:lstStyle/>
           <a:p>
-            <a:fld id="{1158E345-71D8-4F90-9A0E-07BA65ACEA00}" type="slidenum">
+            <a:fld id="{0D83A67D-F37E-4C81-9AF1-3A563B72C2F3}" type="slidenum">
               <a:rPr lang="zh-CN" altLang="en-US" smtClean="0"/>
               <a:t>‹#›</a:t>
             </a:fld>
@@ -1196,7 +1196,7 @@
     </p:spTree>
     <p:extLst>
       <p:ext uri="{BB962C8B-B14F-4D97-AF65-F5344CB8AC3E}">
-        <p14:creationId xmlns:p14="http://schemas.microsoft.com/office/powerpoint/2010/main" val="2402214312"/>
+        <p14:creationId xmlns:p14="http://schemas.microsoft.com/office/powerpoint/2010/main" val="2250876900"/>
       </p:ext>
     </p:extLst>
   </p:cSld>
@@ -1228,7 +1228,7 @@
           <p:cNvPr id="2" name="标题 1">
             <a:extLst>
               <a:ext uri="{FF2B5EF4-FFF2-40B4-BE49-F238E27FC236}">
-                <a16:creationId xmlns:a16="http://schemas.microsoft.com/office/drawing/2014/main" id="{33D9437D-5C4B-A8C8-F6AA-EDD672BCF106}"/>
+                <a16:creationId xmlns:a16="http://schemas.microsoft.com/office/drawing/2014/main" id="{B9A4C039-FE58-E6AA-71B9-16E06750A0F0}"/>
               </a:ext>
             </a:extLst>
           </p:cNvPr>
@@ -1256,7 +1256,7 @@
           <p:cNvPr id="3" name="内容占位符 2">
             <a:extLst>
               <a:ext uri="{FF2B5EF4-FFF2-40B4-BE49-F238E27FC236}">
-                <a16:creationId xmlns:a16="http://schemas.microsoft.com/office/drawing/2014/main" id="{2ED06269-586C-E314-C5DF-1FA70C25A728}"/>
+                <a16:creationId xmlns:a16="http://schemas.microsoft.com/office/drawing/2014/main" id="{7501457C-D9DB-E0F1-5116-24F55242DF7D}"/>
               </a:ext>
             </a:extLst>
           </p:cNvPr>
@@ -1318,7 +1318,7 @@
           <p:cNvPr id="4" name="内容占位符 3">
             <a:extLst>
               <a:ext uri="{FF2B5EF4-FFF2-40B4-BE49-F238E27FC236}">
-                <a16:creationId xmlns:a16="http://schemas.microsoft.com/office/drawing/2014/main" id="{37CBA4EA-559A-D895-A4F5-565DC18E2923}"/>
+                <a16:creationId xmlns:a16="http://schemas.microsoft.com/office/drawing/2014/main" id="{2F1F7BCD-363D-DDCA-5533-B04798C9DDA8}"/>
               </a:ext>
             </a:extLst>
           </p:cNvPr>
@@ -1380,7 +1380,7 @@
           <p:cNvPr id="5" name="日期占位符 4">
             <a:extLst>
               <a:ext uri="{FF2B5EF4-FFF2-40B4-BE49-F238E27FC236}">
-                <a16:creationId xmlns:a16="http://schemas.microsoft.com/office/drawing/2014/main" id="{83F67DE9-3D7D-C141-6615-C9926C91EDE7}"/>
+                <a16:creationId xmlns:a16="http://schemas.microsoft.com/office/drawing/2014/main" id="{CC173C98-9366-FFE7-ABFD-10ED7821A239}"/>
               </a:ext>
             </a:extLst>
           </p:cNvPr>
@@ -1396,7 +1396,7 @@
           <a:bodyPr/>
           <a:lstStyle/>
           <a:p>
-            <a:fld id="{C3661E08-10BE-4B47-926C-5DBD4D13FC14}" type="datetimeFigureOut">
+            <a:fld id="{693C2C56-FAFC-456F-8E99-4A0BCD22ACDF}" type="datetimeFigureOut">
               <a:rPr lang="zh-CN" altLang="en-US" smtClean="0"/>
               <a:t>2024/3/10</a:t>
             </a:fld>
@@ -1409,7 +1409,7 @@
           <p:cNvPr id="6" name="页脚占位符 5">
             <a:extLst>
               <a:ext uri="{FF2B5EF4-FFF2-40B4-BE49-F238E27FC236}">
-                <a16:creationId xmlns:a16="http://schemas.microsoft.com/office/drawing/2014/main" id="{84855CE6-F613-2475-1890-FB16C6F64B5E}"/>
+                <a16:creationId xmlns:a16="http://schemas.microsoft.com/office/drawing/2014/main" id="{B58A461E-ED38-C955-3323-C786C8EE5CEE}"/>
               </a:ext>
             </a:extLst>
           </p:cNvPr>
@@ -1434,7 +1434,7 @@
           <p:cNvPr id="7" name="灯片编号占位符 6">
             <a:extLst>
               <a:ext uri="{FF2B5EF4-FFF2-40B4-BE49-F238E27FC236}">
-                <a16:creationId xmlns:a16="http://schemas.microsoft.com/office/drawing/2014/main" id="{625E6729-E8B8-97F1-0B9A-538161B55CB1}"/>
+                <a16:creationId xmlns:a16="http://schemas.microsoft.com/office/drawing/2014/main" id="{14C3CD06-4221-EDFA-A343-5164852FDC17}"/>
               </a:ext>
             </a:extLst>
           </p:cNvPr>
@@ -1450,7 +1450,7 @@
           <a:bodyPr/>
           <a:lstStyle/>
           <a:p>
-            <a:fld id="{1158E345-71D8-4F90-9A0E-07BA65ACEA00}" type="slidenum">
+            <a:fld id="{0D83A67D-F37E-4C81-9AF1-3A563B72C2F3}" type="slidenum">
               <a:rPr lang="zh-CN" altLang="en-US" smtClean="0"/>
               <a:t>‹#›</a:t>
             </a:fld>
@@ -1461,7 +1461,7 @@
     </p:spTree>
     <p:extLst>
       <p:ext uri="{BB962C8B-B14F-4D97-AF65-F5344CB8AC3E}">
-        <p14:creationId xmlns:p14="http://schemas.microsoft.com/office/powerpoint/2010/main" val="3393282657"/>
+        <p14:creationId xmlns:p14="http://schemas.microsoft.com/office/powerpoint/2010/main" val="3499818824"/>
       </p:ext>
     </p:extLst>
   </p:cSld>
@@ -1493,7 +1493,7 @@
           <p:cNvPr id="2" name="标题 1">
             <a:extLst>
               <a:ext uri="{FF2B5EF4-FFF2-40B4-BE49-F238E27FC236}">
-                <a16:creationId xmlns:a16="http://schemas.microsoft.com/office/drawing/2014/main" id="{E122F709-32C1-51CF-56D0-687077A9D928}"/>
+                <a16:creationId xmlns:a16="http://schemas.microsoft.com/office/drawing/2014/main" id="{65E93EF0-1C55-60EB-94EC-7E39CE3C5E86}"/>
               </a:ext>
             </a:extLst>
           </p:cNvPr>
@@ -1526,7 +1526,7 @@
           <p:cNvPr id="3" name="文本占位符 2">
             <a:extLst>
               <a:ext uri="{FF2B5EF4-FFF2-40B4-BE49-F238E27FC236}">
-                <a16:creationId xmlns:a16="http://schemas.microsoft.com/office/drawing/2014/main" id="{AB9593EF-ABDA-4010-03A2-140821CC4A6E}"/>
+                <a16:creationId xmlns:a16="http://schemas.microsoft.com/office/drawing/2014/main" id="{F6AC672E-675B-B363-88D9-4D12E62CD0F0}"/>
               </a:ext>
             </a:extLst>
           </p:cNvPr>
@@ -1597,7 +1597,7 @@
           <p:cNvPr id="4" name="内容占位符 3">
             <a:extLst>
               <a:ext uri="{FF2B5EF4-FFF2-40B4-BE49-F238E27FC236}">
-                <a16:creationId xmlns:a16="http://schemas.microsoft.com/office/drawing/2014/main" id="{195E405E-0DD7-657D-CB3D-2D1AE2C6A2A8}"/>
+                <a16:creationId xmlns:a16="http://schemas.microsoft.com/office/drawing/2014/main" id="{73FDC185-F22B-FE53-9CEF-90116DE50EF2}"/>
               </a:ext>
             </a:extLst>
           </p:cNvPr>
@@ -1659,7 +1659,7 @@
           <p:cNvPr id="5" name="文本占位符 4">
             <a:extLst>
               <a:ext uri="{FF2B5EF4-FFF2-40B4-BE49-F238E27FC236}">
-                <a16:creationId xmlns:a16="http://schemas.microsoft.com/office/drawing/2014/main" id="{AEE483A7-2E1A-BA0F-F228-DADAB4AD1EBB}"/>
+                <a16:creationId xmlns:a16="http://schemas.microsoft.com/office/drawing/2014/main" id="{8DDD9A99-EA20-E090-1FF3-95F911F62538}"/>
               </a:ext>
             </a:extLst>
           </p:cNvPr>
@@ -1730,7 +1730,7 @@
           <p:cNvPr id="6" name="内容占位符 5">
             <a:extLst>
               <a:ext uri="{FF2B5EF4-FFF2-40B4-BE49-F238E27FC236}">
-                <a16:creationId xmlns:a16="http://schemas.microsoft.com/office/drawing/2014/main" id="{04F94589-9220-1EDF-6017-EEFDCE662649}"/>
+                <a16:creationId xmlns:a16="http://schemas.microsoft.com/office/drawing/2014/main" id="{02A8802A-AC73-8874-8FFF-A15143DAA678}"/>
               </a:ext>
             </a:extLst>
           </p:cNvPr>
@@ -1792,7 +1792,7 @@
           <p:cNvPr id="7" name="日期占位符 6">
             <a:extLst>
               <a:ext uri="{FF2B5EF4-FFF2-40B4-BE49-F238E27FC236}">
-                <a16:creationId xmlns:a16="http://schemas.microsoft.com/office/drawing/2014/main" id="{E0AC258C-08AB-CD9B-FF49-713F88A75FC3}"/>
+                <a16:creationId xmlns:a16="http://schemas.microsoft.com/office/drawing/2014/main" id="{DB1114DB-7064-C8DE-DE6B-2842DA5F1711}"/>
               </a:ext>
             </a:extLst>
           </p:cNvPr>
@@ -1808,7 +1808,7 @@
           <a:bodyPr/>
           <a:lstStyle/>
           <a:p>
-            <a:fld id="{C3661E08-10BE-4B47-926C-5DBD4D13FC14}" type="datetimeFigureOut">
+            <a:fld id="{693C2C56-FAFC-456F-8E99-4A0BCD22ACDF}" type="datetimeFigureOut">
               <a:rPr lang="zh-CN" altLang="en-US" smtClean="0"/>
               <a:t>2024/3/10</a:t>
             </a:fld>
@@ -1821,7 +1821,7 @@
           <p:cNvPr id="8" name="页脚占位符 7">
             <a:extLst>
               <a:ext uri="{FF2B5EF4-FFF2-40B4-BE49-F238E27FC236}">
-                <a16:creationId xmlns:a16="http://schemas.microsoft.com/office/drawing/2014/main" id="{CCEBCADF-9683-00AB-80DA-B36635FBB65D}"/>
+                <a16:creationId xmlns:a16="http://schemas.microsoft.com/office/drawing/2014/main" id="{09DC3EBA-A275-96AB-D6B2-183678A0973F}"/>
               </a:ext>
             </a:extLst>
           </p:cNvPr>
@@ -1846,7 +1846,7 @@
           <p:cNvPr id="9" name="灯片编号占位符 8">
             <a:extLst>
               <a:ext uri="{FF2B5EF4-FFF2-40B4-BE49-F238E27FC236}">
-                <a16:creationId xmlns:a16="http://schemas.microsoft.com/office/drawing/2014/main" id="{DE0069A5-7B86-BD3C-0195-677CCB198165}"/>
+                <a16:creationId xmlns:a16="http://schemas.microsoft.com/office/drawing/2014/main" id="{A36848A0-F546-1D9B-ACE9-87D8963E10AA}"/>
               </a:ext>
             </a:extLst>
           </p:cNvPr>
@@ -1862,7 +1862,7 @@
           <a:bodyPr/>
           <a:lstStyle/>
           <a:p>
-            <a:fld id="{1158E345-71D8-4F90-9A0E-07BA65ACEA00}" type="slidenum">
+            <a:fld id="{0D83A67D-F37E-4C81-9AF1-3A563B72C2F3}" type="slidenum">
               <a:rPr lang="zh-CN" altLang="en-US" smtClean="0"/>
               <a:t>‹#›</a:t>
             </a:fld>
@@ -1873,7 +1873,7 @@
     </p:spTree>
     <p:extLst>
       <p:ext uri="{BB962C8B-B14F-4D97-AF65-F5344CB8AC3E}">
-        <p14:creationId xmlns:p14="http://schemas.microsoft.com/office/powerpoint/2010/main" val="3510738853"/>
+        <p14:creationId xmlns:p14="http://schemas.microsoft.com/office/powerpoint/2010/main" val="1430828098"/>
       </p:ext>
     </p:extLst>
   </p:cSld>
@@ -1905,7 +1905,7 @@
           <p:cNvPr id="2" name="标题 1">
             <a:extLst>
               <a:ext uri="{FF2B5EF4-FFF2-40B4-BE49-F238E27FC236}">
-                <a16:creationId xmlns:a16="http://schemas.microsoft.com/office/drawing/2014/main" id="{F93816F1-BA82-DC1E-6285-2253DA7824CD}"/>
+                <a16:creationId xmlns:a16="http://schemas.microsoft.com/office/drawing/2014/main" id="{DE10B7A1-16AF-6518-7A39-8941363A2373}"/>
               </a:ext>
             </a:extLst>
           </p:cNvPr>
@@ -1933,7 +1933,7 @@
           <p:cNvPr id="3" name="日期占位符 2">
             <a:extLst>
               <a:ext uri="{FF2B5EF4-FFF2-40B4-BE49-F238E27FC236}">
-                <a16:creationId xmlns:a16="http://schemas.microsoft.com/office/drawing/2014/main" id="{896F1D26-66CE-F893-9CA1-346B86366777}"/>
+                <a16:creationId xmlns:a16="http://schemas.microsoft.com/office/drawing/2014/main" id="{7768DB22-D587-A744-4D6E-322C8B4F1846}"/>
               </a:ext>
             </a:extLst>
           </p:cNvPr>
@@ -1949,7 +1949,7 @@
           <a:bodyPr/>
           <a:lstStyle/>
           <a:p>
-            <a:fld id="{C3661E08-10BE-4B47-926C-5DBD4D13FC14}" type="datetimeFigureOut">
+            <a:fld id="{693C2C56-FAFC-456F-8E99-4A0BCD22ACDF}" type="datetimeFigureOut">
               <a:rPr lang="zh-CN" altLang="en-US" smtClean="0"/>
               <a:t>2024/3/10</a:t>
             </a:fld>
@@ -1962,7 +1962,7 @@
           <p:cNvPr id="4" name="页脚占位符 3">
             <a:extLst>
               <a:ext uri="{FF2B5EF4-FFF2-40B4-BE49-F238E27FC236}">
-                <a16:creationId xmlns:a16="http://schemas.microsoft.com/office/drawing/2014/main" id="{8F8D6F28-0A7A-1E77-A4F8-4ACF3AF1EA68}"/>
+                <a16:creationId xmlns:a16="http://schemas.microsoft.com/office/drawing/2014/main" id="{6DA54DE9-6BC3-398C-29F2-7F4627BA224D}"/>
               </a:ext>
             </a:extLst>
           </p:cNvPr>
@@ -1987,7 +1987,7 @@
           <p:cNvPr id="5" name="灯片编号占位符 4">
             <a:extLst>
               <a:ext uri="{FF2B5EF4-FFF2-40B4-BE49-F238E27FC236}">
-                <a16:creationId xmlns:a16="http://schemas.microsoft.com/office/drawing/2014/main" id="{AD829196-B763-CDCF-1D7A-4982C8A5509A}"/>
+                <a16:creationId xmlns:a16="http://schemas.microsoft.com/office/drawing/2014/main" id="{27CF690A-FAF9-8299-FEA7-49A5BFF444B3}"/>
               </a:ext>
             </a:extLst>
           </p:cNvPr>
@@ -2003,7 +2003,7 @@
           <a:bodyPr/>
           <a:lstStyle/>
           <a:p>
-            <a:fld id="{1158E345-71D8-4F90-9A0E-07BA65ACEA00}" type="slidenum">
+            <a:fld id="{0D83A67D-F37E-4C81-9AF1-3A563B72C2F3}" type="slidenum">
               <a:rPr lang="zh-CN" altLang="en-US" smtClean="0"/>
               <a:t>‹#›</a:t>
             </a:fld>
@@ -2014,7 +2014,7 @@
     </p:spTree>
     <p:extLst>
       <p:ext uri="{BB962C8B-B14F-4D97-AF65-F5344CB8AC3E}">
-        <p14:creationId xmlns:p14="http://schemas.microsoft.com/office/powerpoint/2010/main" val="2894624185"/>
+        <p14:creationId xmlns:p14="http://schemas.microsoft.com/office/powerpoint/2010/main" val="2367424195"/>
       </p:ext>
     </p:extLst>
   </p:cSld>
@@ -2046,7 +2046,7 @@
           <p:cNvPr id="2" name="日期占位符 1">
             <a:extLst>
               <a:ext uri="{FF2B5EF4-FFF2-40B4-BE49-F238E27FC236}">
-                <a16:creationId xmlns:a16="http://schemas.microsoft.com/office/drawing/2014/main" id="{09CF33CA-19C2-582A-4B93-9935C779CDC2}"/>
+                <a16:creationId xmlns:a16="http://schemas.microsoft.com/office/drawing/2014/main" id="{29D80D07-22D9-C330-CB16-F7DB0AA0C9AE}"/>
               </a:ext>
             </a:extLst>
           </p:cNvPr>
@@ -2062,7 +2062,7 @@
           <a:bodyPr/>
           <a:lstStyle/>
           <a:p>
-            <a:fld id="{C3661E08-10BE-4B47-926C-5DBD4D13FC14}" type="datetimeFigureOut">
+            <a:fld id="{693C2C56-FAFC-456F-8E99-4A0BCD22ACDF}" type="datetimeFigureOut">
               <a:rPr lang="zh-CN" altLang="en-US" smtClean="0"/>
               <a:t>2024/3/10</a:t>
             </a:fld>
@@ -2075,7 +2075,7 @@
           <p:cNvPr id="3" name="页脚占位符 2">
             <a:extLst>
               <a:ext uri="{FF2B5EF4-FFF2-40B4-BE49-F238E27FC236}">
-                <a16:creationId xmlns:a16="http://schemas.microsoft.com/office/drawing/2014/main" id="{8A06A507-5A28-7C22-1D74-1B9AC3979E77}"/>
+                <a16:creationId xmlns:a16="http://schemas.microsoft.com/office/drawing/2014/main" id="{F9106E52-5493-8A0D-DA5D-30A99F13F8EF}"/>
               </a:ext>
             </a:extLst>
           </p:cNvPr>
@@ -2100,7 +2100,7 @@
           <p:cNvPr id="4" name="灯片编号占位符 3">
             <a:extLst>
               <a:ext uri="{FF2B5EF4-FFF2-40B4-BE49-F238E27FC236}">
-                <a16:creationId xmlns:a16="http://schemas.microsoft.com/office/drawing/2014/main" id="{34B77939-E20B-D7D5-4238-EDEA98959133}"/>
+                <a16:creationId xmlns:a16="http://schemas.microsoft.com/office/drawing/2014/main" id="{4EC88E6F-136E-BC57-6869-572E4448BD87}"/>
               </a:ext>
             </a:extLst>
           </p:cNvPr>
@@ -2116,7 +2116,7 @@
           <a:bodyPr/>
           <a:lstStyle/>
           <a:p>
-            <a:fld id="{1158E345-71D8-4F90-9A0E-07BA65ACEA00}" type="slidenum">
+            <a:fld id="{0D83A67D-F37E-4C81-9AF1-3A563B72C2F3}" type="slidenum">
               <a:rPr lang="zh-CN" altLang="en-US" smtClean="0"/>
               <a:t>‹#›</a:t>
             </a:fld>
@@ -2127,7 +2127,7 @@
     </p:spTree>
     <p:extLst>
       <p:ext uri="{BB962C8B-B14F-4D97-AF65-F5344CB8AC3E}">
-        <p14:creationId xmlns:p14="http://schemas.microsoft.com/office/powerpoint/2010/main" val="842069938"/>
+        <p14:creationId xmlns:p14="http://schemas.microsoft.com/office/powerpoint/2010/main" val="370054266"/>
       </p:ext>
     </p:extLst>
   </p:cSld>
@@ -2159,7 +2159,7 @@
           <p:cNvPr id="2" name="标题 1">
             <a:extLst>
               <a:ext uri="{FF2B5EF4-FFF2-40B4-BE49-F238E27FC236}">
-                <a16:creationId xmlns:a16="http://schemas.microsoft.com/office/drawing/2014/main" id="{D03EDAFB-6E33-FCDE-18CE-84D1F1F9CDA3}"/>
+                <a16:creationId xmlns:a16="http://schemas.microsoft.com/office/drawing/2014/main" id="{B2F5D682-A527-1CBA-D48C-FA2EB7388124}"/>
               </a:ext>
             </a:extLst>
           </p:cNvPr>
@@ -2196,7 +2196,7 @@
           <p:cNvPr id="3" name="内容占位符 2">
             <a:extLst>
               <a:ext uri="{FF2B5EF4-FFF2-40B4-BE49-F238E27FC236}">
-                <a16:creationId xmlns:a16="http://schemas.microsoft.com/office/drawing/2014/main" id="{1F2ED626-6822-5976-4A40-60C60FA02699}"/>
+                <a16:creationId xmlns:a16="http://schemas.microsoft.com/office/drawing/2014/main" id="{006839E7-C99D-99DB-44B0-A1AAD23B21BD}"/>
               </a:ext>
             </a:extLst>
           </p:cNvPr>
@@ -2286,7 +2286,7 @@
           <p:cNvPr id="4" name="文本占位符 3">
             <a:extLst>
               <a:ext uri="{FF2B5EF4-FFF2-40B4-BE49-F238E27FC236}">
-                <a16:creationId xmlns:a16="http://schemas.microsoft.com/office/drawing/2014/main" id="{7F6C788B-7D2F-B29D-68BE-2D83B45C070B}"/>
+                <a16:creationId xmlns:a16="http://schemas.microsoft.com/office/drawing/2014/main" id="{BE832447-71C1-CF14-9807-1E2E4081361E}"/>
               </a:ext>
             </a:extLst>
           </p:cNvPr>
@@ -2357,7 +2357,7 @@
           <p:cNvPr id="5" name="日期占位符 4">
             <a:extLst>
               <a:ext uri="{FF2B5EF4-FFF2-40B4-BE49-F238E27FC236}">
-                <a16:creationId xmlns:a16="http://schemas.microsoft.com/office/drawing/2014/main" id="{EE16FFF2-FFD7-441A-92A1-F812328899F5}"/>
+                <a16:creationId xmlns:a16="http://schemas.microsoft.com/office/drawing/2014/main" id="{8DF73C05-64FC-F125-8AD1-C71AF4223C58}"/>
               </a:ext>
             </a:extLst>
           </p:cNvPr>
@@ -2373,7 +2373,7 @@
           <a:bodyPr/>
           <a:lstStyle/>
           <a:p>
-            <a:fld id="{C3661E08-10BE-4B47-926C-5DBD4D13FC14}" type="datetimeFigureOut">
+            <a:fld id="{693C2C56-FAFC-456F-8E99-4A0BCD22ACDF}" type="datetimeFigureOut">
               <a:rPr lang="zh-CN" altLang="en-US" smtClean="0"/>
               <a:t>2024/3/10</a:t>
             </a:fld>
@@ -2386,7 +2386,7 @@
           <p:cNvPr id="6" name="页脚占位符 5">
             <a:extLst>
               <a:ext uri="{FF2B5EF4-FFF2-40B4-BE49-F238E27FC236}">
-                <a16:creationId xmlns:a16="http://schemas.microsoft.com/office/drawing/2014/main" id="{03D0039C-D4AF-780D-5521-026064989E18}"/>
+                <a16:creationId xmlns:a16="http://schemas.microsoft.com/office/drawing/2014/main" id="{2ABE89E9-4305-EFB9-E4F2-DD7C77CF8D10}"/>
               </a:ext>
             </a:extLst>
           </p:cNvPr>
@@ -2411,7 +2411,7 @@
           <p:cNvPr id="7" name="灯片编号占位符 6">
             <a:extLst>
               <a:ext uri="{FF2B5EF4-FFF2-40B4-BE49-F238E27FC236}">
-                <a16:creationId xmlns:a16="http://schemas.microsoft.com/office/drawing/2014/main" id="{A32A42C7-9F55-C427-304E-D52AED6220A9}"/>
+                <a16:creationId xmlns:a16="http://schemas.microsoft.com/office/drawing/2014/main" id="{CC4FB8E1-38A6-AE65-C35C-7ED84EECC372}"/>
               </a:ext>
             </a:extLst>
           </p:cNvPr>
@@ -2427,7 +2427,7 @@
           <a:bodyPr/>
           <a:lstStyle/>
           <a:p>
-            <a:fld id="{1158E345-71D8-4F90-9A0E-07BA65ACEA00}" type="slidenum">
+            <a:fld id="{0D83A67D-F37E-4C81-9AF1-3A563B72C2F3}" type="slidenum">
               <a:rPr lang="zh-CN" altLang="en-US" smtClean="0"/>
               <a:t>‹#›</a:t>
             </a:fld>
@@ -2438,7 +2438,7 @@
     </p:spTree>
     <p:extLst>
       <p:ext uri="{BB962C8B-B14F-4D97-AF65-F5344CB8AC3E}">
-        <p14:creationId xmlns:p14="http://schemas.microsoft.com/office/powerpoint/2010/main" val="1596901084"/>
+        <p14:creationId xmlns:p14="http://schemas.microsoft.com/office/powerpoint/2010/main" val="3145357223"/>
       </p:ext>
     </p:extLst>
   </p:cSld>
@@ -2470,7 +2470,7 @@
           <p:cNvPr id="2" name="标题 1">
             <a:extLst>
               <a:ext uri="{FF2B5EF4-FFF2-40B4-BE49-F238E27FC236}">
-                <a16:creationId xmlns:a16="http://schemas.microsoft.com/office/drawing/2014/main" id="{FA70E92F-4EBC-A7A0-D6B0-C9D7983A6933}"/>
+                <a16:creationId xmlns:a16="http://schemas.microsoft.com/office/drawing/2014/main" id="{108AA18B-10A0-5858-EBED-F1248C6E3B6C}"/>
               </a:ext>
             </a:extLst>
           </p:cNvPr>
@@ -2507,7 +2507,7 @@
           <p:cNvPr id="3" name="图片占位符 2">
             <a:extLst>
               <a:ext uri="{FF2B5EF4-FFF2-40B4-BE49-F238E27FC236}">
-                <a16:creationId xmlns:a16="http://schemas.microsoft.com/office/drawing/2014/main" id="{B21E7B4B-318F-5FAE-A9F0-63A978B3BB73}"/>
+                <a16:creationId xmlns:a16="http://schemas.microsoft.com/office/drawing/2014/main" id="{57BBDB68-C7AE-B1EB-F080-75FC8190F4A7}"/>
               </a:ext>
             </a:extLst>
           </p:cNvPr>
@@ -2574,7 +2574,7 @@
           <p:cNvPr id="4" name="文本占位符 3">
             <a:extLst>
               <a:ext uri="{FF2B5EF4-FFF2-40B4-BE49-F238E27FC236}">
-                <a16:creationId xmlns:a16="http://schemas.microsoft.com/office/drawing/2014/main" id="{52062310-CD12-0E00-1B9E-9601CCC63579}"/>
+                <a16:creationId xmlns:a16="http://schemas.microsoft.com/office/drawing/2014/main" id="{2416CE84-C3A5-F90F-03C0-FE9A62CBBD7B}"/>
               </a:ext>
             </a:extLst>
           </p:cNvPr>
@@ -2645,7 +2645,7 @@
           <p:cNvPr id="5" name="日期占位符 4">
             <a:extLst>
               <a:ext uri="{FF2B5EF4-FFF2-40B4-BE49-F238E27FC236}">
-                <a16:creationId xmlns:a16="http://schemas.microsoft.com/office/drawing/2014/main" id="{62B6D15A-C69C-3A1B-AAF5-CBF18AA2C052}"/>
+                <a16:creationId xmlns:a16="http://schemas.microsoft.com/office/drawing/2014/main" id="{F23CDE31-A287-771B-659B-96704346B1D5}"/>
               </a:ext>
             </a:extLst>
           </p:cNvPr>
@@ -2661,7 +2661,7 @@
           <a:bodyPr/>
           <a:lstStyle/>
           <a:p>
-            <a:fld id="{C3661E08-10BE-4B47-926C-5DBD4D13FC14}" type="datetimeFigureOut">
+            <a:fld id="{693C2C56-FAFC-456F-8E99-4A0BCD22ACDF}" type="datetimeFigureOut">
               <a:rPr lang="zh-CN" altLang="en-US" smtClean="0"/>
               <a:t>2024/3/10</a:t>
             </a:fld>
@@ -2674,7 +2674,7 @@
           <p:cNvPr id="6" name="页脚占位符 5">
             <a:extLst>
               <a:ext uri="{FF2B5EF4-FFF2-40B4-BE49-F238E27FC236}">
-                <a16:creationId xmlns:a16="http://schemas.microsoft.com/office/drawing/2014/main" id="{23AB0EA6-E862-5B9A-B2C2-F8742E330A43}"/>
+                <a16:creationId xmlns:a16="http://schemas.microsoft.com/office/drawing/2014/main" id="{745AC95B-4735-330B-4DAD-74661E7B6DB9}"/>
               </a:ext>
             </a:extLst>
           </p:cNvPr>
@@ -2699,7 +2699,7 @@
           <p:cNvPr id="7" name="灯片编号占位符 6">
             <a:extLst>
               <a:ext uri="{FF2B5EF4-FFF2-40B4-BE49-F238E27FC236}">
-                <a16:creationId xmlns:a16="http://schemas.microsoft.com/office/drawing/2014/main" id="{75A67674-15B8-D54A-FEE0-04263481BEED}"/>
+                <a16:creationId xmlns:a16="http://schemas.microsoft.com/office/drawing/2014/main" id="{697EDC43-16AF-1532-0712-A0292E2CD7B4}"/>
               </a:ext>
             </a:extLst>
           </p:cNvPr>
@@ -2715,7 +2715,7 @@
           <a:bodyPr/>
           <a:lstStyle/>
           <a:p>
-            <a:fld id="{1158E345-71D8-4F90-9A0E-07BA65ACEA00}" type="slidenum">
+            <a:fld id="{0D83A67D-F37E-4C81-9AF1-3A563B72C2F3}" type="slidenum">
               <a:rPr lang="zh-CN" altLang="en-US" smtClean="0"/>
               <a:t>‹#›</a:t>
             </a:fld>
@@ -2726,7 +2726,7 @@
     </p:spTree>
     <p:extLst>
       <p:ext uri="{BB962C8B-B14F-4D97-AF65-F5344CB8AC3E}">
-        <p14:creationId xmlns:p14="http://schemas.microsoft.com/office/powerpoint/2010/main" val="3148329004"/>
+        <p14:creationId xmlns:p14="http://schemas.microsoft.com/office/powerpoint/2010/main" val="304133439"/>
       </p:ext>
     </p:extLst>
   </p:cSld>
@@ -2763,7 +2763,7 @@
           <p:cNvPr id="2" name="标题占位符 1">
             <a:extLst>
               <a:ext uri="{FF2B5EF4-FFF2-40B4-BE49-F238E27FC236}">
-                <a16:creationId xmlns:a16="http://schemas.microsoft.com/office/drawing/2014/main" id="{51C30903-359B-A002-5998-FACFFBC32A31}"/>
+                <a16:creationId xmlns:a16="http://schemas.microsoft.com/office/drawing/2014/main" id="{09013660-71D2-6D77-2AD7-D9DAA25D6462}"/>
               </a:ext>
             </a:extLst>
           </p:cNvPr>
@@ -2801,7 +2801,7 @@
           <p:cNvPr id="3" name="文本占位符 2">
             <a:extLst>
               <a:ext uri="{FF2B5EF4-FFF2-40B4-BE49-F238E27FC236}">
-                <a16:creationId xmlns:a16="http://schemas.microsoft.com/office/drawing/2014/main" id="{0962DAAC-E40F-616E-8D87-A0E9AB98CC47}"/>
+                <a16:creationId xmlns:a16="http://schemas.microsoft.com/office/drawing/2014/main" id="{9484690B-FFBD-C45D-34C7-AD698FA32D6D}"/>
               </a:ext>
             </a:extLst>
           </p:cNvPr>
@@ -2868,7 +2868,7 @@
           <p:cNvPr id="4" name="日期占位符 3">
             <a:extLst>
               <a:ext uri="{FF2B5EF4-FFF2-40B4-BE49-F238E27FC236}">
-                <a16:creationId xmlns:a16="http://schemas.microsoft.com/office/drawing/2014/main" id="{854BE668-F6DA-E5F8-2B33-521444E11067}"/>
+                <a16:creationId xmlns:a16="http://schemas.microsoft.com/office/drawing/2014/main" id="{9A8A599C-B0B2-5C86-FE2C-1BBF398F6EB7}"/>
               </a:ext>
             </a:extLst>
           </p:cNvPr>
@@ -2902,7 +2902,7 @@
             </a:lvl1pPr>
           </a:lstStyle>
           <a:p>
-            <a:fld id="{C3661E08-10BE-4B47-926C-5DBD4D13FC14}" type="datetimeFigureOut">
+            <a:fld id="{693C2C56-FAFC-456F-8E99-4A0BCD22ACDF}" type="datetimeFigureOut">
               <a:rPr lang="zh-CN" altLang="en-US" smtClean="0"/>
               <a:t>2024/3/10</a:t>
             </a:fld>
@@ -2915,7 +2915,7 @@
           <p:cNvPr id="5" name="页脚占位符 4">
             <a:extLst>
               <a:ext uri="{FF2B5EF4-FFF2-40B4-BE49-F238E27FC236}">
-                <a16:creationId xmlns:a16="http://schemas.microsoft.com/office/drawing/2014/main" id="{CAD91E2B-3228-2AB0-1450-7FF5EA2A4646}"/>
+                <a16:creationId xmlns:a16="http://schemas.microsoft.com/office/drawing/2014/main" id="{48E3A5C1-67CE-43AE-6937-542463D00647}"/>
               </a:ext>
             </a:extLst>
           </p:cNvPr>
@@ -2958,7 +2958,7 @@
           <p:cNvPr id="6" name="灯片编号占位符 5">
             <a:extLst>
               <a:ext uri="{FF2B5EF4-FFF2-40B4-BE49-F238E27FC236}">
-                <a16:creationId xmlns:a16="http://schemas.microsoft.com/office/drawing/2014/main" id="{81ABB694-05AA-C510-6DE4-125A6B216B37}"/>
+                <a16:creationId xmlns:a16="http://schemas.microsoft.com/office/drawing/2014/main" id="{C5A3B90C-AB56-A194-29F6-D140473053D9}"/>
               </a:ext>
             </a:extLst>
           </p:cNvPr>
@@ -2992,7 +2992,7 @@
             </a:lvl1pPr>
           </a:lstStyle>
           <a:p>
-            <a:fld id="{1158E345-71D8-4F90-9A0E-07BA65ACEA00}" type="slidenum">
+            <a:fld id="{0D83A67D-F37E-4C81-9AF1-3A563B72C2F3}" type="slidenum">
               <a:rPr lang="zh-CN" altLang="en-US" smtClean="0"/>
               <a:t>‹#›</a:t>
             </a:fld>
@@ -3003,7 +3003,7 @@
     </p:spTree>
     <p:extLst>
       <p:ext uri="{BB962C8B-B14F-4D97-AF65-F5344CB8AC3E}">
-        <p14:creationId xmlns:p14="http://schemas.microsoft.com/office/powerpoint/2010/main" val="3111761617"/>
+        <p14:creationId xmlns:p14="http://schemas.microsoft.com/office/powerpoint/2010/main" val="34043548"/>
       </p:ext>
     </p:extLst>
   </p:cSld>
